--- a/slides/POO-Slides-003.pptx
+++ b/slides/POO-Slides-003.pptx
@@ -36,13 +36,18 @@
     <p:embeddedFont>
       <p:font typeface="Instrument Sans Medium" pitchFamily="2" charset="0"/>
       <p:regular r:id="rId21"/>
+      <p:italic r:id="rId22"/>
     </p:embeddedFont>
     <p:embeddedFont>
-      <p:font typeface="Open Sans" panose="020B0606030504020204" pitchFamily="34" charset="0"/>
-      <p:regular r:id="rId22"/>
+      <p:font typeface="Open Sans ExtraBold" pitchFamily="2" charset="0"/>
       <p:bold r:id="rId23"/>
       <p:italic r:id="rId24"/>
       <p:boldItalic r:id="rId25"/>
+    </p:embeddedFont>
+    <p:embeddedFont>
+      <p:font typeface="Open Sans Light" pitchFamily="2" charset="0"/>
+      <p:regular r:id="rId26"/>
+      <p:italic r:id="rId27"/>
     </p:embeddedFont>
   </p:embeddedFontLst>
   <p:defaultTextStyle>
@@ -2650,9 +2655,9 @@
                 <a:solidFill>
                   <a:srgbClr val="BFBFBF"/>
                 </a:solidFill>
-                <a:latin typeface="Open Sans" pitchFamily="34" charset="0"/>
-                <a:ea typeface="Open Sans" pitchFamily="34" charset="-122"/>
-                <a:cs typeface="Open Sans" pitchFamily="34" charset="-120"/>
+                <a:latin typeface="Open Sans Light" pitchFamily="34" charset="0"/>
+                <a:ea typeface="Open Sans Light" pitchFamily="34" charset="-122"/>
+                <a:cs typeface="Open Sans Light" pitchFamily="34" charset="-120"/>
               </a:rPr>
               <a:t>Vamos explorar o desenvolvimento de uma aplicação de console que funciona como uma agenda de compromissos. Esta aplicação simples nos oferece uma ótima oportunidade para aprender sobre a linguagem C#, entender conceitos fundamentais de programação estruturada e evoluir para a programação orientada a objetos (POO).</a:t>
             </a:r>
@@ -2692,9 +2697,9 @@
                 <a:solidFill>
                   <a:srgbClr val="BFBFBF"/>
                 </a:solidFill>
-                <a:latin typeface="Open Sans" pitchFamily="34" charset="0"/>
-                <a:ea typeface="Open Sans" pitchFamily="34" charset="-122"/>
-                <a:cs typeface="Open Sans" pitchFamily="34" charset="-120"/>
+                <a:latin typeface="Open Sans Light" pitchFamily="34" charset="0"/>
+                <a:ea typeface="Open Sans Light" pitchFamily="34" charset="-122"/>
+                <a:cs typeface="Open Sans Light" pitchFamily="34" charset="-120"/>
               </a:rPr>
               <a:t>O objetivo é que você compreenda cada decisão tomada e cada linha de código escrita. Estamos aprendendo uma nova linguagem, conhecendo novas ferramentas e uma nova forma de pensar em soluções de software.</a:t>
             </a:r>
@@ -2843,9 +2848,9 @@
                 <a:solidFill>
                   <a:srgbClr val="BFBFBF"/>
                 </a:solidFill>
-                <a:latin typeface="Open Sans" pitchFamily="34" charset="0"/>
-                <a:ea typeface="Open Sans" pitchFamily="34" charset="-122"/>
-                <a:cs typeface="Open Sans" pitchFamily="34" charset="-120"/>
+                <a:latin typeface="Open Sans Light" pitchFamily="34" charset="0"/>
+                <a:ea typeface="Open Sans Light" pitchFamily="34" charset="-122"/>
+                <a:cs typeface="Open Sans Light" pitchFamily="34" charset="-120"/>
               </a:rPr>
               <a:t>Para iniciar o desenvolvimento da aplicação de Agenda de Compromissos, vamos utilizar o Visual Studio Code (VS Code) com a extensão .NET C# Dev Kit instalada. Isso nos permitirá criar uma solução com diferentes projetos de forma rápida e eficiente.</a:t>
             </a:r>
@@ -2927,9 +2932,9 @@
                 <a:solidFill>
                   <a:srgbClr val="BFBFBF"/>
                 </a:solidFill>
-                <a:latin typeface="Open Sans" pitchFamily="34" charset="0"/>
-                <a:ea typeface="Open Sans" pitchFamily="34" charset="-122"/>
-                <a:cs typeface="Open Sans" pitchFamily="34" charset="-120"/>
+                <a:latin typeface="Open Sans Light" pitchFamily="34" charset="0"/>
+                <a:ea typeface="Open Sans Light" pitchFamily="34" charset="-122"/>
+                <a:cs typeface="Open Sans Light" pitchFamily="34" charset="-120"/>
               </a:rPr>
               <a:t>Criaremos um projeto de Biblioteca de Classes chamado "AgendaApp.Models" para centralizar todos os modelos de dados da nossa aplicação. Depois, adicionaremos um projeto de Aplicação de Console chamado "AgendaApp.ConsoleApp" para a interface de usuário.</a:t>
             </a:r>
@@ -3011,9 +3016,9 @@
                 <a:solidFill>
                   <a:srgbClr val="BFBFBF"/>
                 </a:solidFill>
-                <a:latin typeface="Open Sans" pitchFamily="34" charset="0"/>
-                <a:ea typeface="Open Sans" pitchFamily="34" charset="-122"/>
-                <a:cs typeface="Open Sans" pitchFamily="34" charset="-120"/>
+                <a:latin typeface="Open Sans Light" pitchFamily="34" charset="0"/>
+                <a:ea typeface="Open Sans Light" pitchFamily="34" charset="-122"/>
+                <a:cs typeface="Open Sans Light" pitchFamily="34" charset="-120"/>
               </a:rPr>
               <a:t>Para que o projeto de Console possa acessar as classes e funcionalidades definidas no projeto de Biblioteca de Classes, adicionaremos uma referência do projeto de Console para o projeto de Biblioteca de Classes.</a:t>
             </a:r>
@@ -3233,9 +3238,9 @@
                 <a:solidFill>
                   <a:srgbClr val="BFBFBF"/>
                 </a:solidFill>
-                <a:latin typeface="Open Sans" pitchFamily="34" charset="0"/>
-                <a:ea typeface="Open Sans" pitchFamily="34" charset="-122"/>
-                <a:cs typeface="Open Sans" pitchFamily="34" charset="-120"/>
+                <a:latin typeface="Open Sans Light" pitchFamily="34" charset="0"/>
+                <a:ea typeface="Open Sans Light" pitchFamily="34" charset="-122"/>
+                <a:cs typeface="Open Sans Light" pitchFamily="34" charset="-120"/>
               </a:rPr>
               <a:t>Solicitar informações ao usuário
 </a:t>
@@ -3259,9 +3264,9 @@
                 <a:solidFill>
                   <a:srgbClr val="BFBFBF"/>
                 </a:solidFill>
-                <a:latin typeface="Open Sans" pitchFamily="34" charset="0"/>
-                <a:ea typeface="Open Sans" pitchFamily="34" charset="-122"/>
-                <a:cs typeface="Open Sans" pitchFamily="34" charset="-120"/>
+                <a:latin typeface="Open Sans Light" pitchFamily="34" charset="0"/>
+                <a:ea typeface="Open Sans Light" pitchFamily="34" charset="-122"/>
+                <a:cs typeface="Open Sans Light" pitchFamily="34" charset="-120"/>
               </a:rPr>
               <a:t>
 </a:t>
@@ -3458,9 +3463,9 @@
                 <a:solidFill>
                   <a:srgbClr val="BFBFBF"/>
                 </a:solidFill>
-                <a:latin typeface="Open Sans" pitchFamily="34" charset="0"/>
-                <a:ea typeface="Open Sans" pitchFamily="34" charset="-122"/>
-                <a:cs typeface="Open Sans" pitchFamily="34" charset="-120"/>
+                <a:latin typeface="Open Sans Light" pitchFamily="34" charset="0"/>
+                <a:ea typeface="Open Sans Light" pitchFamily="34" charset="-122"/>
+                <a:cs typeface="Open Sans Light" pitchFamily="34" charset="-120"/>
               </a:rPr>
               <a:t>Garantir formato correto dos dados
 </a:t>
@@ -3484,9 +3489,9 @@
                 <a:solidFill>
                   <a:srgbClr val="BFBFBF"/>
                 </a:solidFill>
-                <a:latin typeface="Open Sans" pitchFamily="34" charset="0"/>
-                <a:ea typeface="Open Sans" pitchFamily="34" charset="-122"/>
-                <a:cs typeface="Open Sans" pitchFamily="34" charset="-120"/>
+                <a:latin typeface="Open Sans Light" pitchFamily="34" charset="0"/>
+                <a:ea typeface="Open Sans Light" pitchFamily="34" charset="-122"/>
+                <a:cs typeface="Open Sans Light" pitchFamily="34" charset="-120"/>
               </a:rPr>
               <a:t>
 </a:t>
@@ -3683,9 +3688,9 @@
                 <a:solidFill>
                   <a:srgbClr val="BFBFBF"/>
                 </a:solidFill>
-                <a:latin typeface="Open Sans" pitchFamily="34" charset="0"/>
-                <a:ea typeface="Open Sans" pitchFamily="34" charset="-122"/>
-                <a:cs typeface="Open Sans" pitchFamily="34" charset="-120"/>
+                <a:latin typeface="Open Sans Light" pitchFamily="34" charset="0"/>
+                <a:ea typeface="Open Sans Light" pitchFamily="34" charset="-122"/>
+                <a:cs typeface="Open Sans Light" pitchFamily="34" charset="-120"/>
               </a:rPr>
               <a:t>Combinar data e hora em um DateTime
 </a:t>
@@ -3709,9 +3714,9 @@
                 <a:solidFill>
                   <a:srgbClr val="BFBFBF"/>
                 </a:solidFill>
-                <a:latin typeface="Open Sans" pitchFamily="34" charset="0"/>
-                <a:ea typeface="Open Sans" pitchFamily="34" charset="-122"/>
-                <a:cs typeface="Open Sans" pitchFamily="34" charset="-120"/>
+                <a:latin typeface="Open Sans Light" pitchFamily="34" charset="0"/>
+                <a:ea typeface="Open Sans Light" pitchFamily="34" charset="-122"/>
+                <a:cs typeface="Open Sans Light" pitchFamily="34" charset="-120"/>
               </a:rPr>
               <a:t>
 </a:t>
@@ -3908,9 +3913,9 @@
                 <a:solidFill>
                   <a:srgbClr val="BFBFBF"/>
                 </a:solidFill>
-                <a:latin typeface="Open Sans" pitchFamily="34" charset="0"/>
-                <a:ea typeface="Open Sans" pitchFamily="34" charset="-122"/>
-                <a:cs typeface="Open Sans" pitchFamily="34" charset="-120"/>
+                <a:latin typeface="Open Sans Light" pitchFamily="34" charset="0"/>
+                <a:ea typeface="Open Sans Light" pitchFamily="34" charset="-122"/>
+                <a:cs typeface="Open Sans Light" pitchFamily="34" charset="-120"/>
               </a:rPr>
               <a:t>Mostrar os detalhes do compromisso
 </a:t>
@@ -4032,9 +4037,9 @@
                 <a:solidFill>
                   <a:srgbClr val="BFBFBF"/>
                 </a:solidFill>
-                <a:latin typeface="Open Sans" pitchFamily="34" charset="0"/>
-                <a:ea typeface="Open Sans" pitchFamily="34" charset="-122"/>
-                <a:cs typeface="Open Sans" pitchFamily="34" charset="-120"/>
+                <a:latin typeface="Open Sans Light" pitchFamily="34" charset="0"/>
+                <a:ea typeface="Open Sans Light" pitchFamily="34" charset="-122"/>
+                <a:cs typeface="Open Sans Light" pitchFamily="34" charset="-120"/>
               </a:rPr>
               <a:t>O código utiliza </a:t>
             </a:r>
@@ -4057,9 +4062,9 @@
                 <a:solidFill>
                   <a:srgbClr val="BFBFBF"/>
                 </a:solidFill>
-                <a:latin typeface="Open Sans" pitchFamily="34" charset="0"/>
-                <a:ea typeface="Open Sans" pitchFamily="34" charset="-122"/>
-                <a:cs typeface="Open Sans" pitchFamily="34" charset="-120"/>
+                <a:latin typeface="Open Sans Light" pitchFamily="34" charset="0"/>
+                <a:ea typeface="Open Sans Light" pitchFamily="34" charset="-122"/>
+                <a:cs typeface="Open Sans Light" pitchFamily="34" charset="-120"/>
               </a:rPr>
               <a:t> para exibir mensagens ao usuário e </a:t>
             </a:r>
@@ -4082,9 +4087,9 @@
                 <a:solidFill>
                   <a:srgbClr val="BFBFBF"/>
                 </a:solidFill>
-                <a:latin typeface="Open Sans" pitchFamily="34" charset="0"/>
-                <a:ea typeface="Open Sans" pitchFamily="34" charset="-122"/>
-                <a:cs typeface="Open Sans" pitchFamily="34" charset="-120"/>
+                <a:latin typeface="Open Sans Light" pitchFamily="34" charset="0"/>
+                <a:ea typeface="Open Sans Light" pitchFamily="34" charset="-122"/>
+                <a:cs typeface="Open Sans Light" pitchFamily="34" charset="-120"/>
               </a:rPr>
               <a:t> para capturar a entrada de dados. Para garantir que a data informada esteja no formato correto (</a:t>
             </a:r>
@@ -4107,9 +4112,9 @@
                 <a:solidFill>
                   <a:srgbClr val="BFBFBF"/>
                 </a:solidFill>
-                <a:latin typeface="Open Sans" pitchFamily="34" charset="0"/>
-                <a:ea typeface="Open Sans" pitchFamily="34" charset="-122"/>
-                <a:cs typeface="Open Sans" pitchFamily="34" charset="-120"/>
+                <a:latin typeface="Open Sans Light" pitchFamily="34" charset="0"/>
+                <a:ea typeface="Open Sans Light" pitchFamily="34" charset="-122"/>
+                <a:cs typeface="Open Sans Light" pitchFamily="34" charset="-120"/>
               </a:rPr>
               <a:t>), utilizamos </a:t>
             </a:r>
@@ -4132,9 +4137,9 @@
                 <a:solidFill>
                   <a:srgbClr val="BFBFBF"/>
                 </a:solidFill>
-                <a:latin typeface="Open Sans" pitchFamily="34" charset="0"/>
-                <a:ea typeface="Open Sans" pitchFamily="34" charset="-122"/>
-                <a:cs typeface="Open Sans" pitchFamily="34" charset="-120"/>
+                <a:latin typeface="Open Sans Light" pitchFamily="34" charset="0"/>
+                <a:ea typeface="Open Sans Light" pitchFamily="34" charset="-122"/>
+                <a:cs typeface="Open Sans Light" pitchFamily="34" charset="-120"/>
               </a:rPr>
               <a:t>, que tenta converter a string fornecida para um objeto </a:t>
             </a:r>
@@ -4157,9 +4162,9 @@
                 <a:solidFill>
                   <a:srgbClr val="BFBFBF"/>
                 </a:solidFill>
-                <a:latin typeface="Open Sans" pitchFamily="34" charset="0"/>
-                <a:ea typeface="Open Sans" pitchFamily="34" charset="-122"/>
-                <a:cs typeface="Open Sans" pitchFamily="34" charset="-120"/>
+                <a:latin typeface="Open Sans Light" pitchFamily="34" charset="0"/>
+                <a:ea typeface="Open Sans Light" pitchFamily="34" charset="-122"/>
+                <a:cs typeface="Open Sans Light" pitchFamily="34" charset="-120"/>
               </a:rPr>
               <a:t>. Se a conversão falhar, evitamos erros e podemos solicitar uma nova entrada ao usuário.</a:t>
             </a:r>
@@ -4199,9 +4204,9 @@
                 <a:solidFill>
                   <a:srgbClr val="BFBFBF"/>
                 </a:solidFill>
-                <a:latin typeface="Open Sans" pitchFamily="34" charset="0"/>
-                <a:ea typeface="Open Sans" pitchFamily="34" charset="-122"/>
-                <a:cs typeface="Open Sans" pitchFamily="34" charset="-120"/>
+                <a:latin typeface="Open Sans Light" pitchFamily="34" charset="0"/>
+                <a:ea typeface="Open Sans Light" pitchFamily="34" charset="-122"/>
+                <a:cs typeface="Open Sans Light" pitchFamily="34" charset="-120"/>
               </a:rPr>
               <a:t>Para capturar a </a:t>
             </a:r>
@@ -4210,9 +4215,9 @@
                 <a:solidFill>
                   <a:srgbClr val="BFBFBF"/>
                 </a:solidFill>
-                <a:latin typeface="Open Sans" pitchFamily="34" charset="0"/>
-                <a:ea typeface="Open Sans" pitchFamily="34" charset="-122"/>
-                <a:cs typeface="Open Sans" pitchFamily="34" charset="-120"/>
+                <a:latin typeface="Open Sans ExtraBold" pitchFamily="34" charset="0"/>
+                <a:ea typeface="Open Sans ExtraBold" pitchFamily="34" charset="-122"/>
+                <a:cs typeface="Open Sans ExtraBold" pitchFamily="34" charset="-120"/>
               </a:rPr>
               <a:t>hora</a:t>
             </a:r>
@@ -4221,9 +4226,9 @@
                 <a:solidFill>
                   <a:srgbClr val="BFBFBF"/>
                 </a:solidFill>
-                <a:latin typeface="Open Sans" pitchFamily="34" charset="0"/>
-                <a:ea typeface="Open Sans" pitchFamily="34" charset="-122"/>
-                <a:cs typeface="Open Sans" pitchFamily="34" charset="-120"/>
+                <a:latin typeface="Open Sans Light" pitchFamily="34" charset="0"/>
+                <a:ea typeface="Open Sans Light" pitchFamily="34" charset="-122"/>
+                <a:cs typeface="Open Sans Light" pitchFamily="34" charset="-120"/>
               </a:rPr>
               <a:t>, utilizamos </a:t>
             </a:r>
@@ -4246,9 +4251,9 @@
                 <a:solidFill>
                   <a:srgbClr val="BFBFBF"/>
                 </a:solidFill>
-                <a:latin typeface="Open Sans" pitchFamily="34" charset="0"/>
-                <a:ea typeface="Open Sans" pitchFamily="34" charset="-122"/>
-                <a:cs typeface="Open Sans" pitchFamily="34" charset="-120"/>
+                <a:latin typeface="Open Sans Light" pitchFamily="34" charset="0"/>
+                <a:ea typeface="Open Sans Light" pitchFamily="34" charset="-122"/>
+                <a:cs typeface="Open Sans Light" pitchFamily="34" charset="-120"/>
               </a:rPr>
               <a:t>, que valida se a entrada está no formato correto (</a:t>
             </a:r>
@@ -4271,9 +4276,9 @@
                 <a:solidFill>
                   <a:srgbClr val="BFBFBF"/>
                 </a:solidFill>
-                <a:latin typeface="Open Sans" pitchFamily="34" charset="0"/>
-                <a:ea typeface="Open Sans" pitchFamily="34" charset="-122"/>
-                <a:cs typeface="Open Sans" pitchFamily="34" charset="-120"/>
+                <a:latin typeface="Open Sans Light" pitchFamily="34" charset="0"/>
+                <a:ea typeface="Open Sans Light" pitchFamily="34" charset="-122"/>
+                <a:cs typeface="Open Sans Light" pitchFamily="34" charset="-120"/>
               </a:rPr>
               <a:t>). Como </a:t>
             </a:r>
@@ -4296,9 +4301,9 @@
                 <a:solidFill>
                   <a:srgbClr val="BFBFBF"/>
                 </a:solidFill>
-                <a:latin typeface="Open Sans" pitchFamily="34" charset="0"/>
-                <a:ea typeface="Open Sans" pitchFamily="34" charset="-122"/>
-                <a:cs typeface="Open Sans" pitchFamily="34" charset="-120"/>
+                <a:latin typeface="Open Sans Light" pitchFamily="34" charset="0"/>
+                <a:ea typeface="Open Sans Light" pitchFamily="34" charset="-122"/>
+                <a:cs typeface="Open Sans Light" pitchFamily="34" charset="-120"/>
               </a:rPr>
               <a:t> representa um intervalo de tempo, essa abordagem permite manipular horas separadamente da data.</a:t>
             </a:r>
@@ -4338,9 +4343,9 @@
                 <a:solidFill>
                   <a:srgbClr val="BFBFBF"/>
                 </a:solidFill>
-                <a:latin typeface="Open Sans" pitchFamily="34" charset="0"/>
-                <a:ea typeface="Open Sans" pitchFamily="34" charset="-122"/>
-                <a:cs typeface="Open Sans" pitchFamily="34" charset="-120"/>
+                <a:latin typeface="Open Sans Light" pitchFamily="34" charset="0"/>
+                <a:ea typeface="Open Sans Light" pitchFamily="34" charset="-122"/>
+                <a:cs typeface="Open Sans Light" pitchFamily="34" charset="-120"/>
               </a:rPr>
               <a:t>Após capturar todos os dados corretamente, </a:t>
             </a:r>
@@ -4349,9 +4354,9 @@
                 <a:solidFill>
                   <a:srgbClr val="BFBFBF"/>
                 </a:solidFill>
-                <a:latin typeface="Open Sans" pitchFamily="34" charset="0"/>
-                <a:ea typeface="Open Sans" pitchFamily="34" charset="-122"/>
-                <a:cs typeface="Open Sans" pitchFamily="34" charset="-120"/>
+                <a:latin typeface="Open Sans ExtraBold" pitchFamily="34" charset="0"/>
+                <a:ea typeface="Open Sans ExtraBold" pitchFamily="34" charset="-122"/>
+                <a:cs typeface="Open Sans ExtraBold" pitchFamily="34" charset="-120"/>
               </a:rPr>
               <a:t>combinamos a data e a hora</a:t>
             </a:r>
@@ -4360,9 +4365,9 @@
                 <a:solidFill>
                   <a:srgbClr val="BFBFBF"/>
                 </a:solidFill>
-                <a:latin typeface="Open Sans" pitchFamily="34" charset="0"/>
-                <a:ea typeface="Open Sans" pitchFamily="34" charset="-122"/>
-                <a:cs typeface="Open Sans" pitchFamily="34" charset="-120"/>
+                <a:latin typeface="Open Sans Light" pitchFamily="34" charset="0"/>
+                <a:ea typeface="Open Sans Light" pitchFamily="34" charset="-122"/>
+                <a:cs typeface="Open Sans Light" pitchFamily="34" charset="-120"/>
               </a:rPr>
               <a:t> utilizando </a:t>
             </a:r>
@@ -4385,9 +4390,9 @@
                 <a:solidFill>
                   <a:srgbClr val="BFBFBF"/>
                 </a:solidFill>
-                <a:latin typeface="Open Sans" pitchFamily="34" charset="0"/>
-                <a:ea typeface="Open Sans" pitchFamily="34" charset="-122"/>
-                <a:cs typeface="Open Sans" pitchFamily="34" charset="-120"/>
+                <a:latin typeface="Open Sans Light" pitchFamily="34" charset="0"/>
+                <a:ea typeface="Open Sans Light" pitchFamily="34" charset="-122"/>
+                <a:cs typeface="Open Sans Light" pitchFamily="34" charset="-120"/>
               </a:rPr>
               <a:t>, garantindo que ambas estejam unificadas em um único objeto </a:t>
             </a:r>
@@ -4410,9 +4415,9 @@
                 <a:solidFill>
                   <a:srgbClr val="BFBFBF"/>
                 </a:solidFill>
-                <a:latin typeface="Open Sans" pitchFamily="34" charset="0"/>
-                <a:ea typeface="Open Sans" pitchFamily="34" charset="-122"/>
-                <a:cs typeface="Open Sans" pitchFamily="34" charset="-120"/>
+                <a:latin typeface="Open Sans Light" pitchFamily="34" charset="0"/>
+                <a:ea typeface="Open Sans Light" pitchFamily="34" charset="-122"/>
+                <a:cs typeface="Open Sans Light" pitchFamily="34" charset="-120"/>
               </a:rPr>
               <a:t>. Por fim, exibimos as informações formatadas de maneira clara.</a:t>
             </a:r>
@@ -4452,9 +4457,9 @@
                 <a:solidFill>
                   <a:srgbClr val="BFBFBF"/>
                 </a:solidFill>
-                <a:latin typeface="Open Sans" pitchFamily="34" charset="0"/>
-                <a:ea typeface="Open Sans" pitchFamily="34" charset="-122"/>
-                <a:cs typeface="Open Sans" pitchFamily="34" charset="-120"/>
+                <a:latin typeface="Open Sans Light" pitchFamily="34" charset="0"/>
+                <a:ea typeface="Open Sans Light" pitchFamily="34" charset="-122"/>
+                <a:cs typeface="Open Sans Light" pitchFamily="34" charset="-120"/>
               </a:rPr>
               <a:t>Este exemplo demonstra uma </a:t>
             </a:r>
@@ -4463,9 +4468,9 @@
                 <a:solidFill>
                   <a:srgbClr val="BFBFBF"/>
                 </a:solidFill>
-                <a:latin typeface="Open Sans" pitchFamily="34" charset="0"/>
-                <a:ea typeface="Open Sans" pitchFamily="34" charset="-122"/>
-                <a:cs typeface="Open Sans" pitchFamily="34" charset="-120"/>
+                <a:latin typeface="Open Sans ExtraBold" pitchFamily="34" charset="0"/>
+                <a:ea typeface="Open Sans ExtraBold" pitchFamily="34" charset="-122"/>
+                <a:cs typeface="Open Sans ExtraBold" pitchFamily="34" charset="-120"/>
               </a:rPr>
               <a:t>abordagem estruturada</a:t>
             </a:r>
@@ -4474,9 +4479,9 @@
                 <a:solidFill>
                   <a:srgbClr val="BFBFBF"/>
                 </a:solidFill>
-                <a:latin typeface="Open Sans" pitchFamily="34" charset="0"/>
-                <a:ea typeface="Open Sans" pitchFamily="34" charset="-122"/>
-                <a:cs typeface="Open Sans" pitchFamily="34" charset="-120"/>
+                <a:latin typeface="Open Sans Light" pitchFamily="34" charset="0"/>
+                <a:ea typeface="Open Sans Light" pitchFamily="34" charset="-122"/>
+                <a:cs typeface="Open Sans Light" pitchFamily="34" charset="-120"/>
               </a:rPr>
               <a:t> de programação, focada na captura e validação de entradas antes da transição para um modelo baseado em </a:t>
             </a:r>
@@ -4485,9 +4490,9 @@
                 <a:solidFill>
                   <a:srgbClr val="BFBFBF"/>
                 </a:solidFill>
-                <a:latin typeface="Open Sans" pitchFamily="34" charset="0"/>
-                <a:ea typeface="Open Sans" pitchFamily="34" charset="-122"/>
-                <a:cs typeface="Open Sans" pitchFamily="34" charset="-120"/>
+                <a:latin typeface="Open Sans ExtraBold" pitchFamily="34" charset="0"/>
+                <a:ea typeface="Open Sans ExtraBold" pitchFamily="34" charset="-122"/>
+                <a:cs typeface="Open Sans ExtraBold" pitchFamily="34" charset="-120"/>
               </a:rPr>
               <a:t>Programação Orientada a Objetos (POO)</a:t>
             </a:r>
@@ -4496,9 +4501,9 @@
                 <a:solidFill>
                   <a:srgbClr val="BFBFBF"/>
                 </a:solidFill>
-                <a:latin typeface="Open Sans" pitchFamily="34" charset="0"/>
-                <a:ea typeface="Open Sans" pitchFamily="34" charset="-122"/>
-                <a:cs typeface="Open Sans" pitchFamily="34" charset="-120"/>
+                <a:latin typeface="Open Sans Light" pitchFamily="34" charset="0"/>
+                <a:ea typeface="Open Sans Light" pitchFamily="34" charset="-122"/>
+                <a:cs typeface="Open Sans Light" pitchFamily="34" charset="-120"/>
               </a:rPr>
               <a:t>, onde essas operações poderiam ser encapsuladas dentro de classes e métodos específicos para maior organização e reutilização do código.</a:t>
             </a:r>
@@ -4689,9 +4694,9 @@
                 <a:solidFill>
                   <a:srgbClr val="BFBFBF"/>
                 </a:solidFill>
-                <a:latin typeface="Open Sans" pitchFamily="34" charset="0"/>
-                <a:ea typeface="Open Sans" pitchFamily="34" charset="-122"/>
-                <a:cs typeface="Open Sans" pitchFamily="34" charset="-120"/>
+                <a:latin typeface="Open Sans Light" pitchFamily="34" charset="0"/>
+                <a:ea typeface="Open Sans Light" pitchFamily="34" charset="-122"/>
+                <a:cs typeface="Open Sans Light" pitchFamily="34" charset="-120"/>
               </a:rPr>
               <a:t>Acessar o terminal, navegar até a pasta do projeto e executar com dotnet run</a:t>
             </a:r>
@@ -4815,9 +4820,9 @@
                 <a:solidFill>
                   <a:srgbClr val="BFBFBF"/>
                 </a:solidFill>
-                <a:latin typeface="Open Sans" pitchFamily="34" charset="0"/>
-                <a:ea typeface="Open Sans" pitchFamily="34" charset="-122"/>
-                <a:cs typeface="Open Sans" pitchFamily="34" charset="-120"/>
+                <a:latin typeface="Open Sans Light" pitchFamily="34" charset="0"/>
+                <a:ea typeface="Open Sans Light" pitchFamily="34" charset="-122"/>
+                <a:cs typeface="Open Sans Light" pitchFamily="34" charset="-120"/>
               </a:rPr>
               <a:t>Fornecer dados do compromisso quando solicitado</a:t>
             </a:r>
@@ -4941,9 +4946,9 @@
                 <a:solidFill>
                   <a:srgbClr val="BFBFBF"/>
                 </a:solidFill>
-                <a:latin typeface="Open Sans" pitchFamily="34" charset="0"/>
-                <a:ea typeface="Open Sans" pitchFamily="34" charset="-122"/>
-                <a:cs typeface="Open Sans" pitchFamily="34" charset="-120"/>
+                <a:latin typeface="Open Sans Light" pitchFamily="34" charset="0"/>
+                <a:ea typeface="Open Sans Light" pitchFamily="34" charset="-122"/>
+                <a:cs typeface="Open Sans Light" pitchFamily="34" charset="-120"/>
               </a:rPr>
               <a:t>O programa valida os formatos de data e hora</a:t>
             </a:r>
@@ -5067,9 +5072,9 @@
                 <a:solidFill>
                   <a:srgbClr val="BFBFBF"/>
                 </a:solidFill>
-                <a:latin typeface="Open Sans" pitchFamily="34" charset="0"/>
-                <a:ea typeface="Open Sans" pitchFamily="34" charset="-122"/>
-                <a:cs typeface="Open Sans" pitchFamily="34" charset="-120"/>
+                <a:latin typeface="Open Sans Light" pitchFamily="34" charset="0"/>
+                <a:ea typeface="Open Sans Light" pitchFamily="34" charset="-122"/>
+                <a:cs typeface="Open Sans Light" pitchFamily="34" charset="-120"/>
               </a:rPr>
               <a:t>Exibição dos detalhes do compromisso registrado</a:t>
             </a:r>
@@ -5109,9 +5114,9 @@
                 <a:solidFill>
                   <a:srgbClr val="BFBFBF"/>
                 </a:solidFill>
-                <a:latin typeface="Open Sans" pitchFamily="34" charset="0"/>
-                <a:ea typeface="Open Sans" pitchFamily="34" charset="-122"/>
-                <a:cs typeface="Open Sans" pitchFamily="34" charset="-120"/>
+                <a:latin typeface="Open Sans Light" pitchFamily="34" charset="0"/>
+                <a:ea typeface="Open Sans Light" pitchFamily="34" charset="-122"/>
+                <a:cs typeface="Open Sans Light" pitchFamily="34" charset="-120"/>
               </a:rPr>
               <a:t>Nos próximos passos, vamos introduzir a classe </a:t>
             </a:r>
@@ -5134,9 +5139,9 @@
                 <a:solidFill>
                   <a:srgbClr val="BFBFBF"/>
                 </a:solidFill>
-                <a:latin typeface="Open Sans" pitchFamily="34" charset="0"/>
-                <a:ea typeface="Open Sans" pitchFamily="34" charset="-122"/>
-                <a:cs typeface="Open Sans" pitchFamily="34" charset="-120"/>
+                <a:latin typeface="Open Sans Light" pitchFamily="34" charset="0"/>
+                <a:ea typeface="Open Sans Light" pitchFamily="34" charset="-122"/>
+                <a:cs typeface="Open Sans Light" pitchFamily="34" charset="-120"/>
               </a:rPr>
               <a:t> e transformar essa abordagem para usar objetos. Em vez de armazenar as informações em variáveis separadas, utilizaremos uma instância da classe </a:t>
             </a:r>
@@ -5145,9 +5150,9 @@
                 <a:solidFill>
                   <a:srgbClr val="BFBFBF"/>
                 </a:solidFill>
-                <a:latin typeface="Open Sans" pitchFamily="34" charset="0"/>
-                <a:ea typeface="Open Sans" pitchFamily="34" charset="-122"/>
-                <a:cs typeface="Open Sans" pitchFamily="34" charset="-120"/>
+                <a:latin typeface="Open Sans ExtraBold" pitchFamily="34" charset="0"/>
+                <a:ea typeface="Open Sans ExtraBold" pitchFamily="34" charset="-122"/>
+                <a:cs typeface="Open Sans ExtraBold" pitchFamily="34" charset="-120"/>
               </a:rPr>
               <a:t>Appointment</a:t>
             </a:r>
@@ -5156,9 +5161,9 @@
                 <a:solidFill>
                   <a:srgbClr val="BFBFBF"/>
                 </a:solidFill>
-                <a:latin typeface="Open Sans" pitchFamily="34" charset="0"/>
-                <a:ea typeface="Open Sans" pitchFamily="34" charset="-122"/>
-                <a:cs typeface="Open Sans" pitchFamily="34" charset="-120"/>
+                <a:latin typeface="Open Sans Light" pitchFamily="34" charset="0"/>
+                <a:ea typeface="Open Sans Light" pitchFamily="34" charset="-122"/>
+                <a:cs typeface="Open Sans Light" pitchFamily="34" charset="-120"/>
               </a:rPr>
               <a:t> para agrupar todos os dados do compromisso.</a:t>
             </a:r>
@@ -5198,9 +5203,9 @@
                 <a:solidFill>
                   <a:srgbClr val="BFBFBF"/>
                 </a:solidFill>
-                <a:latin typeface="Open Sans" pitchFamily="34" charset="0"/>
-                <a:ea typeface="Open Sans" pitchFamily="34" charset="-122"/>
-                <a:cs typeface="Open Sans" pitchFamily="34" charset="-120"/>
+                <a:latin typeface="Open Sans Light" pitchFamily="34" charset="0"/>
+                <a:ea typeface="Open Sans Light" pitchFamily="34" charset="-122"/>
+                <a:cs typeface="Open Sans Light" pitchFamily="34" charset="-120"/>
               </a:rPr>
               <a:t>Isso tornará o nosso código mais limpo e orientado a objetos, facilitando a manutenção e a expansão da nossa aplicação.</a:t>
             </a:r>
@@ -5445,9 +5450,9 @@
                 <a:solidFill>
                   <a:srgbClr val="BFBFBF"/>
                 </a:solidFill>
-                <a:latin typeface="Open Sans" pitchFamily="34" charset="0"/>
-                <a:ea typeface="Open Sans" pitchFamily="34" charset="-122"/>
-                <a:cs typeface="Open Sans" pitchFamily="34" charset="-120"/>
+                <a:latin typeface="Open Sans Light" pitchFamily="34" charset="0"/>
+                <a:ea typeface="Open Sans Light" pitchFamily="34" charset="-122"/>
+                <a:cs typeface="Open Sans Light" pitchFamily="34" charset="-120"/>
               </a:rPr>
               <a:t>Uma novidade que permite escrever o código diretamente no arquivo </a:t>
             </a:r>
@@ -5470,9 +5475,9 @@
                 <a:solidFill>
                   <a:srgbClr val="BFBFBF"/>
                 </a:solidFill>
-                <a:latin typeface="Open Sans" pitchFamily="34" charset="0"/>
-                <a:ea typeface="Open Sans" pitchFamily="34" charset="-122"/>
-                <a:cs typeface="Open Sans" pitchFamily="34" charset="-120"/>
+                <a:latin typeface="Open Sans Light" pitchFamily="34" charset="0"/>
+                <a:ea typeface="Open Sans Light" pitchFamily="34" charset="-122"/>
+                <a:cs typeface="Open Sans Light" pitchFamily="34" charset="-120"/>
               </a:rPr>
               <a:t> sem a necessidade de declarar uma classe e um método principal. É uma forma mais simples e direta de começar a programar.</a:t>
             </a:r>
@@ -5554,9 +5559,9 @@
                 <a:solidFill>
                   <a:srgbClr val="BFBFBF"/>
                 </a:solidFill>
-                <a:latin typeface="Open Sans" pitchFamily="34" charset="0"/>
-                <a:ea typeface="Open Sans" pitchFamily="34" charset="-122"/>
-                <a:cs typeface="Open Sans" pitchFamily="34" charset="-120"/>
+                <a:latin typeface="Open Sans Light" pitchFamily="34" charset="0"/>
+                <a:ea typeface="Open Sans Light" pitchFamily="34" charset="-122"/>
+                <a:cs typeface="Open Sans Light" pitchFamily="34" charset="-120"/>
               </a:rPr>
               <a:t>Aqui, precisamos definir uma classe </a:t>
             </a:r>
@@ -5579,9 +5584,9 @@
                 <a:solidFill>
                   <a:srgbClr val="BFBFBF"/>
                 </a:solidFill>
-                <a:latin typeface="Open Sans" pitchFamily="34" charset="0"/>
-                <a:ea typeface="Open Sans" pitchFamily="34" charset="-122"/>
-                <a:cs typeface="Open Sans" pitchFamily="34" charset="-120"/>
+                <a:latin typeface="Open Sans Light" pitchFamily="34" charset="0"/>
+                <a:ea typeface="Open Sans Light" pitchFamily="34" charset="-122"/>
+                <a:cs typeface="Open Sans Light" pitchFamily="34" charset="-120"/>
               </a:rPr>
               <a:t> e o método </a:t>
             </a:r>
@@ -5604,9 +5609,9 @@
                 <a:solidFill>
                   <a:srgbClr val="BFBFBF"/>
                 </a:solidFill>
-                <a:latin typeface="Open Sans" pitchFamily="34" charset="0"/>
-                <a:ea typeface="Open Sans" pitchFamily="34" charset="-122"/>
-                <a:cs typeface="Open Sans" pitchFamily="34" charset="-120"/>
+                <a:latin typeface="Open Sans Light" pitchFamily="34" charset="0"/>
+                <a:ea typeface="Open Sans Light" pitchFamily="34" charset="-122"/>
+                <a:cs typeface="Open Sans Light" pitchFamily="34" charset="-120"/>
               </a:rPr>
               <a:t>, que é o ponto de entrada da aplicação. Essa abordagem é interessante quando precisamos de maior organização e estrutura, especialmente em projetos mais complexos.</a:t>
             </a:r>
@@ -5646,9 +5651,9 @@
                 <a:solidFill>
                   <a:srgbClr val="BFBFBF"/>
                 </a:solidFill>
-                <a:latin typeface="Open Sans" pitchFamily="34" charset="0"/>
-                <a:ea typeface="Open Sans" pitchFamily="34" charset="-122"/>
-                <a:cs typeface="Open Sans" pitchFamily="34" charset="-120"/>
+                <a:latin typeface="Open Sans Light" pitchFamily="34" charset="0"/>
+                <a:ea typeface="Open Sans Light" pitchFamily="34" charset="-122"/>
+                <a:cs typeface="Open Sans Light" pitchFamily="34" charset="-120"/>
               </a:rPr>
               <a:t>O principal arquivo é o </a:t>
             </a:r>
@@ -5671,9 +5676,9 @@
                 <a:solidFill>
                   <a:srgbClr val="BFBFBF"/>
                 </a:solidFill>
-                <a:latin typeface="Open Sans" pitchFamily="34" charset="0"/>
-                <a:ea typeface="Open Sans" pitchFamily="34" charset="-122"/>
-                <a:cs typeface="Open Sans" pitchFamily="34" charset="-120"/>
+                <a:latin typeface="Open Sans Light" pitchFamily="34" charset="0"/>
+                <a:ea typeface="Open Sans Light" pitchFamily="34" charset="-122"/>
+                <a:cs typeface="Open Sans Light" pitchFamily="34" charset="-120"/>
               </a:rPr>
               <a:t>, que pode seguir duas abordagens: usar</a:t>
             </a:r>
@@ -5696,9 +5701,9 @@
                 <a:solidFill>
                   <a:srgbClr val="BFBFBF"/>
                 </a:solidFill>
-                <a:latin typeface="Open Sans" pitchFamily="34" charset="0"/>
-                <a:ea typeface="Open Sans" pitchFamily="34" charset="-122"/>
-                <a:cs typeface="Open Sans" pitchFamily="34" charset="-120"/>
+                <a:latin typeface="Open Sans Light" pitchFamily="34" charset="0"/>
+                <a:ea typeface="Open Sans Light" pitchFamily="34" charset="-122"/>
+                <a:cs typeface="Open Sans Light" pitchFamily="34" charset="-120"/>
               </a:rPr>
               <a:t> ou a estrutura mais tradicional com uma classe </a:t>
             </a:r>
@@ -5721,9 +5726,9 @@
                 <a:solidFill>
                   <a:srgbClr val="BFBFBF"/>
                 </a:solidFill>
-                <a:latin typeface="Open Sans" pitchFamily="34" charset="0"/>
-                <a:ea typeface="Open Sans" pitchFamily="34" charset="-122"/>
-                <a:cs typeface="Open Sans" pitchFamily="34" charset="-120"/>
+                <a:latin typeface="Open Sans Light" pitchFamily="34" charset="0"/>
+                <a:ea typeface="Open Sans Light" pitchFamily="34" charset="-122"/>
+                <a:cs typeface="Open Sans Light" pitchFamily="34" charset="-120"/>
               </a:rPr>
               <a:t> e um </a:t>
             </a:r>
@@ -5746,9 +5751,9 @@
                 <a:solidFill>
                   <a:srgbClr val="BFBFBF"/>
                 </a:solidFill>
-                <a:latin typeface="Open Sans" pitchFamily="34" charset="0"/>
-                <a:ea typeface="Open Sans" pitchFamily="34" charset="-122"/>
-                <a:cs typeface="Open Sans" pitchFamily="34" charset="-120"/>
+                <a:latin typeface="Open Sans Light" pitchFamily="34" charset="0"/>
+                <a:ea typeface="Open Sans Light" pitchFamily="34" charset="-122"/>
+                <a:cs typeface="Open Sans Light" pitchFamily="34" charset="-120"/>
               </a:rPr>
               <a:t>. Vamos explorar ambas as abordagens e discutir as vantagens de cada uma.</a:t>
             </a:r>
@@ -6029,9 +6034,9 @@
                 <a:solidFill>
                   <a:srgbClr val="BFBFBF"/>
                 </a:solidFill>
-                <a:latin typeface="Open Sans" pitchFamily="34" charset="0"/>
-                <a:ea typeface="Open Sans" pitchFamily="34" charset="-122"/>
-                <a:cs typeface="Open Sans" pitchFamily="34" charset="-120"/>
+                <a:latin typeface="Open Sans Light" pitchFamily="34" charset="0"/>
+                <a:ea typeface="Open Sans Light" pitchFamily="34" charset="-122"/>
+                <a:cs typeface="Open Sans Light" pitchFamily="34" charset="-120"/>
               </a:rPr>
               <a:t>A palavra-chave namespace define um escopo que organiza classes e outros tipos em grupos lógicos, evitando conflitos de nomes. Um "grupo lógico" refere-se a uma maneira de organizar tipos relacionados dentro de um contexto comum.</a:t>
             </a:r>
@@ -6142,9 +6147,9 @@
                 <a:solidFill>
                   <a:srgbClr val="BFBFBF"/>
                 </a:solidFill>
-                <a:latin typeface="Open Sans" pitchFamily="34" charset="0"/>
-                <a:ea typeface="Open Sans" pitchFamily="34" charset="-122"/>
-                <a:cs typeface="Open Sans" pitchFamily="34" charset="-120"/>
+                <a:latin typeface="Open Sans Light" pitchFamily="34" charset="0"/>
+                <a:ea typeface="Open Sans Light" pitchFamily="34" charset="-122"/>
+                <a:cs typeface="Open Sans Light" pitchFamily="34" charset="-120"/>
               </a:rPr>
               <a:t>Dentro do namespace, temos uma classe chamada Program. Em C#, a class é um bloco de código que define um tipo de dado composto que pode conter métodos, propriedades e outros membros.</a:t>
             </a:r>
@@ -6255,9 +6260,9 @@
                 <a:solidFill>
                   <a:srgbClr val="BFBFBF"/>
                 </a:solidFill>
-                <a:latin typeface="Open Sans" pitchFamily="34" charset="0"/>
-                <a:ea typeface="Open Sans" pitchFamily="34" charset="-122"/>
-                <a:cs typeface="Open Sans" pitchFamily="34" charset="-120"/>
+                <a:latin typeface="Open Sans Light" pitchFamily="34" charset="0"/>
+                <a:ea typeface="Open Sans Light" pitchFamily="34" charset="-122"/>
+                <a:cs typeface="Open Sans Light" pitchFamily="34" charset="-120"/>
               </a:rPr>
               <a:t>Dentro da classe Program, encontramos o método Main, que é o ponto de entrada de qualquer aplicação em C#. Ele é onde o programa inicia sua execução.</a:t>
             </a:r>
@@ -6477,9 +6482,9 @@
                 <a:solidFill>
                   <a:srgbClr val="BFBFBF"/>
                 </a:solidFill>
-                <a:latin typeface="Open Sans" pitchFamily="34" charset="0"/>
-                <a:ea typeface="Open Sans" pitchFamily="34" charset="-122"/>
-                <a:cs typeface="Open Sans" pitchFamily="34" charset="-120"/>
+                <a:latin typeface="Open Sans Light" pitchFamily="34" charset="0"/>
+                <a:ea typeface="Open Sans Light" pitchFamily="34" charset="-122"/>
+                <a:cs typeface="Open Sans Light" pitchFamily="34" charset="-120"/>
               </a:rPr>
               <a:t>A palavra-chave static em C# significa que o método ou membro pertence à própria classe, em vez de a uma instância específica dessa classe.</a:t>
             </a:r>
@@ -6632,9 +6637,9 @@
                 <a:solidFill>
                   <a:srgbClr val="BFBFBF"/>
                 </a:solidFill>
-                <a:latin typeface="Open Sans" pitchFamily="34" charset="0"/>
-                <a:ea typeface="Open Sans" pitchFamily="34" charset="-122"/>
-                <a:cs typeface="Open Sans" pitchFamily="34" charset="-120"/>
+                <a:latin typeface="Open Sans Light" pitchFamily="34" charset="0"/>
+                <a:ea typeface="Open Sans Light" pitchFamily="34" charset="-122"/>
+                <a:cs typeface="Open Sans Light" pitchFamily="34" charset="-120"/>
               </a:rPr>
               <a:t>Isso é útil quando queremos definir comportamentos ou propriedades que sejam comuns a todas as instâncias de uma classe ou que não dependam de uma instância em particular.</a:t>
             </a:r>
@@ -6787,9 +6792,9 @@
                 <a:solidFill>
                   <a:srgbClr val="BFBFBF"/>
                 </a:solidFill>
-                <a:latin typeface="Open Sans" pitchFamily="34" charset="0"/>
-                <a:ea typeface="Open Sans" pitchFamily="34" charset="-122"/>
-                <a:cs typeface="Open Sans" pitchFamily="34" charset="-120"/>
+                <a:latin typeface="Open Sans Light" pitchFamily="34" charset="0"/>
+                <a:ea typeface="Open Sans Light" pitchFamily="34" charset="-122"/>
+                <a:cs typeface="Open Sans Light" pitchFamily="34" charset="-120"/>
               </a:rPr>
               <a:t>No caso do método Main, ele precisa ser static porque não existe uma instância da classe Program ao iniciar a execução do programa; o método é chamado diretamente pela CLR (Common Language Runtime).</a:t>
             </a:r>
@@ -6962,9 +6967,9 @@
                 <a:solidFill>
                   <a:srgbClr val="BFBFBF"/>
                 </a:solidFill>
-                <a:latin typeface="Open Sans" pitchFamily="34" charset="0"/>
-                <a:ea typeface="Open Sans" pitchFamily="34" charset="-122"/>
-                <a:cs typeface="Open Sans" pitchFamily="34" charset="-120"/>
+                <a:latin typeface="Open Sans Light" pitchFamily="34" charset="0"/>
+                <a:ea typeface="Open Sans Light" pitchFamily="34" charset="-122"/>
+                <a:cs typeface="Open Sans Light" pitchFamily="34" charset="-120"/>
               </a:rPr>
               <a:t>Um programa geralmente começa sua execução na função main(), que é o ponto de entrada do código. Tudo que precisa ser executado é escrito diretamente dentro dessa função, sem a necessidade de uma estrutura formal de classe.</a:t>
             </a:r>
@@ -7070,9 +7075,9 @@
                 <a:solidFill>
                   <a:srgbClr val="BFBFBF"/>
                 </a:solidFill>
-                <a:latin typeface="Open Sans" pitchFamily="34" charset="0"/>
-                <a:ea typeface="Open Sans" pitchFamily="34" charset="-122"/>
-                <a:cs typeface="Open Sans" pitchFamily="34" charset="-120"/>
+                <a:latin typeface="Open Sans Light" pitchFamily="34" charset="0"/>
+                <a:ea typeface="Open Sans Light" pitchFamily="34" charset="-122"/>
+                <a:cs typeface="Open Sans Light" pitchFamily="34" charset="-120"/>
               </a:rPr>
               <a:t>Seguindo o paradigma de Programação Orientada a Objetos (POO), não temos apenas funções isoladas. Em vez disso, temos classes, que são "blocos organizados" contendo métodos, propriedades e outros membros.</a:t>
             </a:r>
@@ -7178,9 +7183,9 @@
                 <a:solidFill>
                   <a:srgbClr val="BFBFBF"/>
                 </a:solidFill>
-                <a:latin typeface="Open Sans" pitchFamily="34" charset="0"/>
-                <a:ea typeface="Open Sans" pitchFamily="34" charset="-122"/>
-                <a:cs typeface="Open Sans" pitchFamily="34" charset="-120"/>
+                <a:latin typeface="Open Sans Light" pitchFamily="34" charset="0"/>
+                <a:ea typeface="Open Sans Light" pitchFamily="34" charset="-122"/>
+                <a:cs typeface="Open Sans Light" pitchFamily="34" charset="-120"/>
               </a:rPr>
               <a:t>Pense na função main() em C como um script simples, onde o código é executado linearmente. Já em C#, a classe Program é como uma "caixa organizadora", onde colocamos nosso ponto de entrada (Main()) junto com outros recursos.</a:t>
             </a:r>
@@ -7322,9 +7327,9 @@
                 <a:solidFill>
                   <a:srgbClr val="BFBFBF"/>
                 </a:solidFill>
-                <a:latin typeface="Open Sans" pitchFamily="34" charset="0"/>
-                <a:ea typeface="Open Sans" pitchFamily="34" charset="-122"/>
-                <a:cs typeface="Open Sans" pitchFamily="34" charset="-120"/>
+                <a:latin typeface="Open Sans Light" pitchFamily="34" charset="0"/>
+                <a:ea typeface="Open Sans Light" pitchFamily="34" charset="-122"/>
+                <a:cs typeface="Open Sans Light" pitchFamily="34" charset="-120"/>
               </a:rPr>
               <a:t>
 </a:t>
@@ -7348,9 +7353,9 @@
                 <a:solidFill>
                   <a:srgbClr val="BFBFBF"/>
                 </a:solidFill>
-                <a:latin typeface="Open Sans" pitchFamily="34" charset="0"/>
-                <a:ea typeface="Open Sans" pitchFamily="34" charset="-122"/>
-                <a:cs typeface="Open Sans" pitchFamily="34" charset="-120"/>
+                <a:latin typeface="Open Sans Light" pitchFamily="34" charset="0"/>
+                <a:ea typeface="Open Sans Light" pitchFamily="34" charset="-122"/>
+                <a:cs typeface="Open Sans Light" pitchFamily="34" charset="-120"/>
               </a:rPr>
               <a:t>
    </a:t>
@@ -7374,9 +7379,9 @@
                 <a:solidFill>
                   <a:srgbClr val="BFBFBF"/>
                 </a:solidFill>
-                <a:latin typeface="Open Sans" pitchFamily="34" charset="0"/>
-                <a:ea typeface="Open Sans" pitchFamily="34" charset="-122"/>
-                <a:cs typeface="Open Sans" pitchFamily="34" charset="-120"/>
+                <a:latin typeface="Open Sans Light" pitchFamily="34" charset="0"/>
+                <a:ea typeface="Open Sans Light" pitchFamily="34" charset="-122"/>
+                <a:cs typeface="Open Sans Light" pitchFamily="34" charset="-120"/>
               </a:rPr>
               <a:t>
    </a:t>
@@ -7400,9 +7405,9 @@
                 <a:solidFill>
                   <a:srgbClr val="BFBFBF"/>
                 </a:solidFill>
-                <a:latin typeface="Open Sans" pitchFamily="34" charset="0"/>
-                <a:ea typeface="Open Sans" pitchFamily="34" charset="-122"/>
-                <a:cs typeface="Open Sans" pitchFamily="34" charset="-120"/>
+                <a:latin typeface="Open Sans Light" pitchFamily="34" charset="0"/>
+                <a:ea typeface="Open Sans Light" pitchFamily="34" charset="-122"/>
+                <a:cs typeface="Open Sans Light" pitchFamily="34" charset="-120"/>
               </a:rPr>
               <a:t>
 </a:t>
@@ -7426,9 +7431,9 @@
                 <a:solidFill>
                   <a:srgbClr val="BFBFBF"/>
                 </a:solidFill>
-                <a:latin typeface="Open Sans" pitchFamily="34" charset="0"/>
-                <a:ea typeface="Open Sans" pitchFamily="34" charset="-122"/>
-                <a:cs typeface="Open Sans" pitchFamily="34" charset="-120"/>
+                <a:latin typeface="Open Sans Light" pitchFamily="34" charset="0"/>
+                <a:ea typeface="Open Sans Light" pitchFamily="34" charset="-122"/>
+                <a:cs typeface="Open Sans Light" pitchFamily="34" charset="-120"/>
               </a:rPr>
               <a:t>
 </a:t>
@@ -7452,9 +7457,9 @@
                 <a:solidFill>
                   <a:srgbClr val="BFBFBF"/>
                 </a:solidFill>
-                <a:latin typeface="Open Sans" pitchFamily="34" charset="0"/>
-                <a:ea typeface="Open Sans" pitchFamily="34" charset="-122"/>
-                <a:cs typeface="Open Sans" pitchFamily="34" charset="-120"/>
+                <a:latin typeface="Open Sans Light" pitchFamily="34" charset="0"/>
+                <a:ea typeface="Open Sans Light" pitchFamily="34" charset="-122"/>
+                <a:cs typeface="Open Sans Light" pitchFamily="34" charset="-120"/>
               </a:rPr>
               <a:t>
    </a:t>
@@ -7478,9 +7483,9 @@
                 <a:solidFill>
                   <a:srgbClr val="BFBFBF"/>
                 </a:solidFill>
-                <a:latin typeface="Open Sans" pitchFamily="34" charset="0"/>
-                <a:ea typeface="Open Sans" pitchFamily="34" charset="-122"/>
-                <a:cs typeface="Open Sans" pitchFamily="34" charset="-120"/>
+                <a:latin typeface="Open Sans Light" pitchFamily="34" charset="0"/>
+                <a:ea typeface="Open Sans Light" pitchFamily="34" charset="-122"/>
+                <a:cs typeface="Open Sans Light" pitchFamily="34" charset="-120"/>
               </a:rPr>
               <a:t>
    </a:t>
@@ -7504,9 +7509,9 @@
                 <a:solidFill>
                   <a:srgbClr val="BFBFBF"/>
                 </a:solidFill>
-                <a:latin typeface="Open Sans" pitchFamily="34" charset="0"/>
-                <a:ea typeface="Open Sans" pitchFamily="34" charset="-122"/>
-                <a:cs typeface="Open Sans" pitchFamily="34" charset="-120"/>
+                <a:latin typeface="Open Sans Light" pitchFamily="34" charset="0"/>
+                <a:ea typeface="Open Sans Light" pitchFamily="34" charset="-122"/>
+                <a:cs typeface="Open Sans Light" pitchFamily="34" charset="-120"/>
               </a:rPr>
               <a:t>
 </a:t>
@@ -7530,9 +7535,9 @@
                 <a:solidFill>
                   <a:srgbClr val="BFBFBF"/>
                 </a:solidFill>
-                <a:latin typeface="Open Sans" pitchFamily="34" charset="0"/>
-                <a:ea typeface="Open Sans" pitchFamily="34" charset="-122"/>
-                <a:cs typeface="Open Sans" pitchFamily="34" charset="-120"/>
+                <a:latin typeface="Open Sans Light" pitchFamily="34" charset="0"/>
+                <a:ea typeface="Open Sans Light" pitchFamily="34" charset="-122"/>
+                <a:cs typeface="Open Sans Light" pitchFamily="34" charset="-120"/>
               </a:rPr>
               <a:t>
 </a:t>
@@ -7556,9 +7561,9 @@
                 <a:solidFill>
                   <a:srgbClr val="BFBFBF"/>
                 </a:solidFill>
-                <a:latin typeface="Open Sans" pitchFamily="34" charset="0"/>
-                <a:ea typeface="Open Sans" pitchFamily="34" charset="-122"/>
-                <a:cs typeface="Open Sans" pitchFamily="34" charset="-120"/>
+                <a:latin typeface="Open Sans Light" pitchFamily="34" charset="0"/>
+                <a:ea typeface="Open Sans Light" pitchFamily="34" charset="-122"/>
+                <a:cs typeface="Open Sans Light" pitchFamily="34" charset="-120"/>
               </a:rPr>
               <a:t>
    </a:t>
@@ -7582,9 +7587,9 @@
                 <a:solidFill>
                   <a:srgbClr val="BFBFBF"/>
                 </a:solidFill>
-                <a:latin typeface="Open Sans" pitchFamily="34" charset="0"/>
-                <a:ea typeface="Open Sans" pitchFamily="34" charset="-122"/>
-                <a:cs typeface="Open Sans" pitchFamily="34" charset="-120"/>
+                <a:latin typeface="Open Sans Light" pitchFamily="34" charset="0"/>
+                <a:ea typeface="Open Sans Light" pitchFamily="34" charset="-122"/>
+                <a:cs typeface="Open Sans Light" pitchFamily="34" charset="-120"/>
               </a:rPr>
               <a:t>
    </a:t>
@@ -7608,9 +7613,9 @@
                 <a:solidFill>
                   <a:srgbClr val="BFBFBF"/>
                 </a:solidFill>
-                <a:latin typeface="Open Sans" pitchFamily="34" charset="0"/>
-                <a:ea typeface="Open Sans" pitchFamily="34" charset="-122"/>
-                <a:cs typeface="Open Sans" pitchFamily="34" charset="-120"/>
+                <a:latin typeface="Open Sans Light" pitchFamily="34" charset="0"/>
+                <a:ea typeface="Open Sans Light" pitchFamily="34" charset="-122"/>
+                <a:cs typeface="Open Sans Light" pitchFamily="34" charset="-120"/>
               </a:rPr>
               <a:t>
    </a:t>
@@ -7634,9 +7639,9 @@
                 <a:solidFill>
                   <a:srgbClr val="BFBFBF"/>
                 </a:solidFill>
-                <a:latin typeface="Open Sans" pitchFamily="34" charset="0"/>
-                <a:ea typeface="Open Sans" pitchFamily="34" charset="-122"/>
-                <a:cs typeface="Open Sans" pitchFamily="34" charset="-120"/>
+                <a:latin typeface="Open Sans Light" pitchFamily="34" charset="0"/>
+                <a:ea typeface="Open Sans Light" pitchFamily="34" charset="-122"/>
+                <a:cs typeface="Open Sans Light" pitchFamily="34" charset="-120"/>
               </a:rPr>
               <a:t>
 </a:t>
@@ -7768,9 +7773,9 @@
                 <a:solidFill>
                   <a:srgbClr val="BFBFBF"/>
                 </a:solidFill>
-                <a:latin typeface="Open Sans" pitchFamily="34" charset="0"/>
-                <a:ea typeface="Open Sans" pitchFamily="34" charset="-122"/>
-                <a:cs typeface="Open Sans" pitchFamily="34" charset="-120"/>
+                <a:latin typeface="Open Sans Light" pitchFamily="34" charset="0"/>
+                <a:ea typeface="Open Sans Light" pitchFamily="34" charset="-122"/>
+                <a:cs typeface="Open Sans Light" pitchFamily="34" charset="-120"/>
               </a:rPr>
               <a:t>
 </a:t>
@@ -7794,9 +7799,9 @@
                 <a:solidFill>
                   <a:srgbClr val="BFBFBF"/>
                 </a:solidFill>
-                <a:latin typeface="Open Sans" pitchFamily="34" charset="0"/>
-                <a:ea typeface="Open Sans" pitchFamily="34" charset="-122"/>
-                <a:cs typeface="Open Sans" pitchFamily="34" charset="-120"/>
+                <a:latin typeface="Open Sans Light" pitchFamily="34" charset="0"/>
+                <a:ea typeface="Open Sans Light" pitchFamily="34" charset="-122"/>
+                <a:cs typeface="Open Sans Light" pitchFamily="34" charset="-120"/>
               </a:rPr>
               <a:t>
     </a:t>
@@ -7820,9 +7825,9 @@
                 <a:solidFill>
                   <a:srgbClr val="BFBFBF"/>
                 </a:solidFill>
-                <a:latin typeface="Open Sans" pitchFamily="34" charset="0"/>
-                <a:ea typeface="Open Sans" pitchFamily="34" charset="-122"/>
-                <a:cs typeface="Open Sans" pitchFamily="34" charset="-120"/>
+                <a:latin typeface="Open Sans Light" pitchFamily="34" charset="0"/>
+                <a:ea typeface="Open Sans Light" pitchFamily="34" charset="-122"/>
+                <a:cs typeface="Open Sans Light" pitchFamily="34" charset="-120"/>
               </a:rPr>
               <a:t>
     </a:t>
@@ -7846,9 +7851,9 @@
                 <a:solidFill>
                   <a:srgbClr val="BFBFBF"/>
                 </a:solidFill>
-                <a:latin typeface="Open Sans" pitchFamily="34" charset="0"/>
-                <a:ea typeface="Open Sans" pitchFamily="34" charset="-122"/>
-                <a:cs typeface="Open Sans" pitchFamily="34" charset="-120"/>
+                <a:latin typeface="Open Sans Light" pitchFamily="34" charset="0"/>
+                <a:ea typeface="Open Sans Light" pitchFamily="34" charset="-122"/>
+                <a:cs typeface="Open Sans Light" pitchFamily="34" charset="-120"/>
               </a:rPr>
               <a:t>
     </a:t>
@@ -7872,9 +7877,9 @@
                 <a:solidFill>
                   <a:srgbClr val="BFBFBF"/>
                 </a:solidFill>
-                <a:latin typeface="Open Sans" pitchFamily="34" charset="0"/>
-                <a:ea typeface="Open Sans" pitchFamily="34" charset="-122"/>
-                <a:cs typeface="Open Sans" pitchFamily="34" charset="-120"/>
+                <a:latin typeface="Open Sans Light" pitchFamily="34" charset="0"/>
+                <a:ea typeface="Open Sans Light" pitchFamily="34" charset="-122"/>
+                <a:cs typeface="Open Sans Light" pitchFamily="34" charset="-120"/>
               </a:rPr>
               <a:t>
        </a:t>
@@ -7898,9 +7903,9 @@
                 <a:solidFill>
                   <a:srgbClr val="BFBFBF"/>
                 </a:solidFill>
-                <a:latin typeface="Open Sans" pitchFamily="34" charset="0"/>
-                <a:ea typeface="Open Sans" pitchFamily="34" charset="-122"/>
-                <a:cs typeface="Open Sans" pitchFamily="34" charset="-120"/>
+                <a:latin typeface="Open Sans Light" pitchFamily="34" charset="0"/>
+                <a:ea typeface="Open Sans Light" pitchFamily="34" charset="-122"/>
+                <a:cs typeface="Open Sans Light" pitchFamily="34" charset="-120"/>
               </a:rPr>
               <a:t>
        </a:t>
@@ -7924,9 +7929,9 @@
                 <a:solidFill>
                   <a:srgbClr val="BFBFBF"/>
                 </a:solidFill>
-                <a:latin typeface="Open Sans" pitchFamily="34" charset="0"/>
-                <a:ea typeface="Open Sans" pitchFamily="34" charset="-122"/>
-                <a:cs typeface="Open Sans" pitchFamily="34" charset="-120"/>
+                <a:latin typeface="Open Sans Light" pitchFamily="34" charset="0"/>
+                <a:ea typeface="Open Sans Light" pitchFamily="34" charset="-122"/>
+                <a:cs typeface="Open Sans Light" pitchFamily="34" charset="-120"/>
               </a:rPr>
               <a:t>
     </a:t>
@@ -7950,9 +7955,9 @@
                 <a:solidFill>
                   <a:srgbClr val="BFBFBF"/>
                 </a:solidFill>
-                <a:latin typeface="Open Sans" pitchFamily="34" charset="0"/>
-                <a:ea typeface="Open Sans" pitchFamily="34" charset="-122"/>
-                <a:cs typeface="Open Sans" pitchFamily="34" charset="-120"/>
+                <a:latin typeface="Open Sans Light" pitchFamily="34" charset="0"/>
+                <a:ea typeface="Open Sans Light" pitchFamily="34" charset="-122"/>
+                <a:cs typeface="Open Sans Light" pitchFamily="34" charset="-120"/>
               </a:rPr>
               <a:t>
 </a:t>
@@ -7976,9 +7981,9 @@
                 <a:solidFill>
                   <a:srgbClr val="BFBFBF"/>
                 </a:solidFill>
-                <a:latin typeface="Open Sans" pitchFamily="34" charset="0"/>
-                <a:ea typeface="Open Sans" pitchFamily="34" charset="-122"/>
-                <a:cs typeface="Open Sans" pitchFamily="34" charset="-120"/>
+                <a:latin typeface="Open Sans Light" pitchFamily="34" charset="0"/>
+                <a:ea typeface="Open Sans Light" pitchFamily="34" charset="-122"/>
+                <a:cs typeface="Open Sans Light" pitchFamily="34" charset="-120"/>
               </a:rPr>
               <a:t>
 </a:t>
@@ -8002,9 +8007,9 @@
                 <a:solidFill>
                   <a:srgbClr val="BFBFBF"/>
                 </a:solidFill>
-                <a:latin typeface="Open Sans" pitchFamily="34" charset="0"/>
-                <a:ea typeface="Open Sans" pitchFamily="34" charset="-122"/>
-                <a:cs typeface="Open Sans" pitchFamily="34" charset="-120"/>
+                <a:latin typeface="Open Sans Light" pitchFamily="34" charset="0"/>
+                <a:ea typeface="Open Sans Light" pitchFamily="34" charset="-122"/>
+                <a:cs typeface="Open Sans Light" pitchFamily="34" charset="-120"/>
               </a:rPr>
               <a:t>
     </a:t>
@@ -8028,9 +8033,9 @@
                 <a:solidFill>
                   <a:srgbClr val="BFBFBF"/>
                 </a:solidFill>
-                <a:latin typeface="Open Sans" pitchFamily="34" charset="0"/>
-                <a:ea typeface="Open Sans" pitchFamily="34" charset="-122"/>
-                <a:cs typeface="Open Sans" pitchFamily="34" charset="-120"/>
+                <a:latin typeface="Open Sans Light" pitchFamily="34" charset="0"/>
+                <a:ea typeface="Open Sans Light" pitchFamily="34" charset="-122"/>
+                <a:cs typeface="Open Sans Light" pitchFamily="34" charset="-120"/>
               </a:rPr>
               <a:t>
         </a:t>
@@ -8054,9 +8059,9 @@
                 <a:solidFill>
                   <a:srgbClr val="BFBFBF"/>
                 </a:solidFill>
-                <a:latin typeface="Open Sans" pitchFamily="34" charset="0"/>
-                <a:ea typeface="Open Sans" pitchFamily="34" charset="-122"/>
-                <a:cs typeface="Open Sans" pitchFamily="34" charset="-120"/>
+                <a:latin typeface="Open Sans Light" pitchFamily="34" charset="0"/>
+                <a:ea typeface="Open Sans Light" pitchFamily="34" charset="-122"/>
+                <a:cs typeface="Open Sans Light" pitchFamily="34" charset="-120"/>
               </a:rPr>
               <a:t>
 </a:t>
@@ -8080,9 +8085,9 @@
                 <a:solidFill>
                   <a:srgbClr val="BFBFBF"/>
                 </a:solidFill>
-                <a:latin typeface="Open Sans" pitchFamily="34" charset="0"/>
-                <a:ea typeface="Open Sans" pitchFamily="34" charset="-122"/>
-                <a:cs typeface="Open Sans" pitchFamily="34" charset="-120"/>
+                <a:latin typeface="Open Sans Light" pitchFamily="34" charset="0"/>
+                <a:ea typeface="Open Sans Light" pitchFamily="34" charset="-122"/>
+                <a:cs typeface="Open Sans Light" pitchFamily="34" charset="-120"/>
               </a:rPr>
               <a:t>
         </a:t>
@@ -8106,9 +8111,9 @@
                 <a:solidFill>
                   <a:srgbClr val="BFBFBF"/>
                 </a:solidFill>
-                <a:latin typeface="Open Sans" pitchFamily="34" charset="0"/>
-                <a:ea typeface="Open Sans" pitchFamily="34" charset="-122"/>
-                <a:cs typeface="Open Sans" pitchFamily="34" charset="-120"/>
+                <a:latin typeface="Open Sans Light" pitchFamily="34" charset="0"/>
+                <a:ea typeface="Open Sans Light" pitchFamily="34" charset="-122"/>
+                <a:cs typeface="Open Sans Light" pitchFamily="34" charset="-120"/>
               </a:rPr>
               <a:t>
     }
@@ -8280,9 +8285,9 @@
                 <a:solidFill>
                   <a:srgbClr val="BFBFBF"/>
                 </a:solidFill>
-                <a:latin typeface="Open Sans" pitchFamily="34" charset="0"/>
-                <a:ea typeface="Open Sans" pitchFamily="34" charset="-122"/>
-                <a:cs typeface="Open Sans" pitchFamily="34" charset="-120"/>
+                <a:latin typeface="Open Sans Light" pitchFamily="34" charset="0"/>
+                <a:ea typeface="Open Sans Light" pitchFamily="34" charset="-122"/>
+                <a:cs typeface="Open Sans Light" pitchFamily="34" charset="-120"/>
               </a:rPr>
               <a:t>C (Estruturas e Funções)</a:t>
             </a:r>
@@ -8322,9 +8327,9 @@
                 <a:solidFill>
                   <a:srgbClr val="BFBFBF"/>
                 </a:solidFill>
-                <a:latin typeface="Open Sans" pitchFamily="34" charset="0"/>
-                <a:ea typeface="Open Sans" pitchFamily="34" charset="-122"/>
-                <a:cs typeface="Open Sans" pitchFamily="34" charset="-120"/>
+                <a:latin typeface="Open Sans Light" pitchFamily="34" charset="0"/>
+                <a:ea typeface="Open Sans Light" pitchFamily="34" charset="-122"/>
+                <a:cs typeface="Open Sans Light" pitchFamily="34" charset="-120"/>
               </a:rPr>
               <a:t>C# (Classes e Objetos)</a:t>
             </a:r>
@@ -8393,9 +8398,9 @@
                 <a:solidFill>
                   <a:srgbClr val="BFBFBF"/>
                 </a:solidFill>
-                <a:latin typeface="Open Sans" pitchFamily="34" charset="0"/>
-                <a:ea typeface="Open Sans" pitchFamily="34" charset="-122"/>
-                <a:cs typeface="Open Sans" pitchFamily="34" charset="-120"/>
+                <a:latin typeface="Open Sans Light" pitchFamily="34" charset="0"/>
+                <a:ea typeface="Open Sans Light" pitchFamily="34" charset="-122"/>
+                <a:cs typeface="Open Sans Light" pitchFamily="34" charset="-120"/>
               </a:rPr>
               <a:t>Usa struct para armazenar dados.</a:t>
             </a:r>
@@ -8435,9 +8440,9 @@
                 <a:solidFill>
                   <a:srgbClr val="BFBFBF"/>
                 </a:solidFill>
-                <a:latin typeface="Open Sans" pitchFamily="34" charset="0"/>
-                <a:ea typeface="Open Sans" pitchFamily="34" charset="-122"/>
-                <a:cs typeface="Open Sans" pitchFamily="34" charset="-120"/>
+                <a:latin typeface="Open Sans Light" pitchFamily="34" charset="0"/>
+                <a:ea typeface="Open Sans Light" pitchFamily="34" charset="-122"/>
+                <a:cs typeface="Open Sans Light" pitchFamily="34" charset="-120"/>
               </a:rPr>
               <a:t>Usa class, que pode conter tanto dados quanto métodos.</a:t>
             </a:r>
@@ -8506,9 +8511,9 @@
                 <a:solidFill>
                   <a:srgbClr val="BFBFBF"/>
                 </a:solidFill>
-                <a:latin typeface="Open Sans" pitchFamily="34" charset="0"/>
-                <a:ea typeface="Open Sans" pitchFamily="34" charset="-122"/>
-                <a:cs typeface="Open Sans" pitchFamily="34" charset="-120"/>
+                <a:latin typeface="Open Sans Light" pitchFamily="34" charset="0"/>
+                <a:ea typeface="Open Sans Light" pitchFamily="34" charset="-122"/>
+                <a:cs typeface="Open Sans Light" pitchFamily="34" charset="-120"/>
               </a:rPr>
               <a:t>Funções são separadas das estruturas.</a:t>
             </a:r>
@@ -8548,9 +8553,9 @@
                 <a:solidFill>
                   <a:srgbClr val="BFBFBF"/>
                 </a:solidFill>
-                <a:latin typeface="Open Sans" pitchFamily="34" charset="0"/>
-                <a:ea typeface="Open Sans" pitchFamily="34" charset="-122"/>
-                <a:cs typeface="Open Sans" pitchFamily="34" charset="-120"/>
+                <a:latin typeface="Open Sans Light" pitchFamily="34" charset="0"/>
+                <a:ea typeface="Open Sans Light" pitchFamily="34" charset="-122"/>
+                <a:cs typeface="Open Sans Light" pitchFamily="34" charset="-120"/>
               </a:rPr>
               <a:t>Métodos podem estar dentro da própria classe.</a:t>
             </a:r>
@@ -8619,9 +8624,9 @@
                 <a:solidFill>
                   <a:srgbClr val="BFBFBF"/>
                 </a:solidFill>
-                <a:latin typeface="Open Sans" pitchFamily="34" charset="0"/>
-                <a:ea typeface="Open Sans" pitchFamily="34" charset="-122"/>
-                <a:cs typeface="Open Sans" pitchFamily="34" charset="-120"/>
+                <a:latin typeface="Open Sans Light" pitchFamily="34" charset="0"/>
+                <a:ea typeface="Open Sans Light" pitchFamily="34" charset="-122"/>
+                <a:cs typeface="Open Sans Light" pitchFamily="34" charset="-120"/>
               </a:rPr>
               <a:t>Não tem suporte direto a propriedades.</a:t>
             </a:r>
@@ -8661,9 +8666,9 @@
                 <a:solidFill>
                   <a:srgbClr val="BFBFBF"/>
                 </a:solidFill>
-                <a:latin typeface="Open Sans" pitchFamily="34" charset="0"/>
-                <a:ea typeface="Open Sans" pitchFamily="34" charset="-122"/>
-                <a:cs typeface="Open Sans" pitchFamily="34" charset="-120"/>
+                <a:latin typeface="Open Sans Light" pitchFamily="34" charset="0"/>
+                <a:ea typeface="Open Sans Light" pitchFamily="34" charset="-122"/>
+                <a:cs typeface="Open Sans Light" pitchFamily="34" charset="-120"/>
               </a:rPr>
               <a:t>Propriedades encapsulam dados com get e set.</a:t>
             </a:r>
@@ -8703,9 +8708,9 @@
                 <a:solidFill>
                   <a:srgbClr val="BFBFBF"/>
                 </a:solidFill>
-                <a:latin typeface="Open Sans" pitchFamily="34" charset="0"/>
-                <a:ea typeface="Open Sans" pitchFamily="34" charset="-122"/>
-                <a:cs typeface="Open Sans" pitchFamily="34" charset="-120"/>
+                <a:latin typeface="Open Sans Light" pitchFamily="34" charset="0"/>
+                <a:ea typeface="Open Sans Light" pitchFamily="34" charset="-122"/>
+                <a:cs typeface="Open Sans Light" pitchFamily="34" charset="-120"/>
               </a:rPr>
               <a:t>Em C, você poderia criar uma struct para agrupar dados e uma função para manipulá-los. Já em C#, podemos criar uma classe, que combina tanto dados (propriedades e campos) quanto ações (métodos) no mesmo bloco de código.</a:t>
             </a:r>
@@ -8878,9 +8883,9 @@
                 <a:solidFill>
                   <a:srgbClr val="BFBFBF"/>
                 </a:solidFill>
-                <a:latin typeface="Open Sans" pitchFamily="34" charset="0"/>
-                <a:ea typeface="Open Sans" pitchFamily="34" charset="-122"/>
-                <a:cs typeface="Open Sans" pitchFamily="34" charset="-120"/>
+                <a:latin typeface="Open Sans Light" pitchFamily="34" charset="0"/>
+                <a:ea typeface="Open Sans Light" pitchFamily="34" charset="-122"/>
+                <a:cs typeface="Open Sans Light" pitchFamily="34" charset="-120"/>
               </a:rPr>
               <a:t>Equivalem às funções em C, são blocos de código que executam ações.</a:t>
             </a:r>
@@ -8986,9 +8991,9 @@
                 <a:solidFill>
                   <a:srgbClr val="BFBFBF"/>
                 </a:solidFill>
-                <a:latin typeface="Open Sans" pitchFamily="34" charset="0"/>
-                <a:ea typeface="Open Sans" pitchFamily="34" charset="-122"/>
-                <a:cs typeface="Open Sans" pitchFamily="34" charset="-120"/>
+                <a:latin typeface="Open Sans Light" pitchFamily="34" charset="0"/>
+                <a:ea typeface="Open Sans Light" pitchFamily="34" charset="-122"/>
+                <a:cs typeface="Open Sans Light" pitchFamily="34" charset="-120"/>
               </a:rPr>
               <a:t>Parecem variáveis, mas possuem um controle interno, como se fossem um "meio-termo" entre variáveis e funções.</a:t>
             </a:r>
@@ -9094,9 +9099,9 @@
                 <a:solidFill>
                   <a:srgbClr val="BFBFBF"/>
                 </a:solidFill>
-                <a:latin typeface="Open Sans" pitchFamily="34" charset="0"/>
-                <a:ea typeface="Open Sans" pitchFamily="34" charset="-122"/>
-                <a:cs typeface="Open Sans" pitchFamily="34" charset="-120"/>
+                <a:latin typeface="Open Sans Light" pitchFamily="34" charset="0"/>
+                <a:ea typeface="Open Sans Light" pitchFamily="34" charset="-122"/>
+                <a:cs typeface="Open Sans Light" pitchFamily="34" charset="-120"/>
               </a:rPr>
               <a:t>São variáveis dentro da classe, usadas para armazenar dados.</a:t>
             </a:r>
@@ -9202,9 +9207,9 @@
                 <a:solidFill>
                   <a:srgbClr val="BFBFBF"/>
                 </a:solidFill>
-                <a:latin typeface="Open Sans" pitchFamily="34" charset="0"/>
-                <a:ea typeface="Open Sans" pitchFamily="34" charset="-122"/>
-                <a:cs typeface="Open Sans" pitchFamily="34" charset="-120"/>
+                <a:latin typeface="Open Sans Light" pitchFamily="34" charset="0"/>
+                <a:ea typeface="Open Sans Light" pitchFamily="34" charset="-122"/>
+                <a:cs typeface="Open Sans Light" pitchFamily="34" charset="-120"/>
               </a:rPr>
               <a:t>Métodos especiais chamados automaticamente quando criamos um objeto dessa classe.</a:t>
             </a:r>
@@ -9475,9 +9480,9 @@
                 <a:solidFill>
                   <a:srgbClr val="BFBFBF"/>
                 </a:solidFill>
-                <a:latin typeface="Open Sans" pitchFamily="34" charset="0"/>
-                <a:ea typeface="Open Sans" pitchFamily="34" charset="-122"/>
-                <a:cs typeface="Open Sans" pitchFamily="34" charset="-120"/>
+                <a:latin typeface="Open Sans Light" pitchFamily="34" charset="0"/>
+                <a:ea typeface="Open Sans Light" pitchFamily="34" charset="-122"/>
+                <a:cs typeface="Open Sans Light" pitchFamily="34" charset="-120"/>
               </a:rPr>
               <a:t>Digite o comando </a:t>
             </a:r>
@@ -9486,9 +9491,9 @@
                 <a:solidFill>
                   <a:srgbClr val="BFBFBF"/>
                 </a:solidFill>
-                <a:latin typeface="Open Sans" pitchFamily="34" charset="0"/>
-                <a:ea typeface="Open Sans" pitchFamily="34" charset="-122"/>
-                <a:cs typeface="Open Sans" pitchFamily="34" charset="-120"/>
+                <a:latin typeface="Open Sans ExtraBold" pitchFamily="34" charset="0"/>
+                <a:ea typeface="Open Sans ExtraBold" pitchFamily="34" charset="-122"/>
+                <a:cs typeface="Open Sans ExtraBold" pitchFamily="34" charset="-120"/>
               </a:rPr>
               <a:t>dotnet new sln -n AgendaApp</a:t>
             </a:r>
@@ -9497,9 +9502,9 @@
                 <a:solidFill>
                   <a:srgbClr val="BFBFBF"/>
                 </a:solidFill>
-                <a:latin typeface="Open Sans" pitchFamily="34" charset="0"/>
-                <a:ea typeface="Open Sans" pitchFamily="34" charset="-122"/>
-                <a:cs typeface="Open Sans" pitchFamily="34" charset="-120"/>
+                <a:latin typeface="Open Sans Light" pitchFamily="34" charset="0"/>
+                <a:ea typeface="Open Sans Light" pitchFamily="34" charset="-122"/>
+                <a:cs typeface="Open Sans Light" pitchFamily="34" charset="-120"/>
               </a:rPr>
               <a:t> para criar uma nova solução com o nome "</a:t>
             </a:r>
@@ -9508,9 +9513,9 @@
                 <a:solidFill>
                   <a:srgbClr val="BFBFBF"/>
                 </a:solidFill>
-                <a:latin typeface="Open Sans" pitchFamily="34" charset="0"/>
-                <a:ea typeface="Open Sans" pitchFamily="34" charset="-122"/>
-                <a:cs typeface="Open Sans" pitchFamily="34" charset="-120"/>
+                <a:latin typeface="Open Sans ExtraBold" pitchFamily="34" charset="0"/>
+                <a:ea typeface="Open Sans ExtraBold" pitchFamily="34" charset="-122"/>
+                <a:cs typeface="Open Sans ExtraBold" pitchFamily="34" charset="-120"/>
               </a:rPr>
               <a:t>AgendaApp</a:t>
             </a:r>
@@ -9519,9 +9524,9 @@
                 <a:solidFill>
                   <a:srgbClr val="BFBFBF"/>
                 </a:solidFill>
-                <a:latin typeface="Open Sans" pitchFamily="34" charset="0"/>
-                <a:ea typeface="Open Sans" pitchFamily="34" charset="-122"/>
-                <a:cs typeface="Open Sans" pitchFamily="34" charset="-120"/>
+                <a:latin typeface="Open Sans Light" pitchFamily="34" charset="0"/>
+                <a:ea typeface="Open Sans Light" pitchFamily="34" charset="-122"/>
+                <a:cs typeface="Open Sans Light" pitchFamily="34" charset="-120"/>
               </a:rPr>
               <a:t>".</a:t>
             </a:r>
@@ -9632,9 +9637,9 @@
                 <a:solidFill>
                   <a:srgbClr val="BFBFBF"/>
                 </a:solidFill>
-                <a:latin typeface="Open Sans" pitchFamily="34" charset="0"/>
-                <a:ea typeface="Open Sans" pitchFamily="34" charset="-122"/>
-                <a:cs typeface="Open Sans" pitchFamily="34" charset="-120"/>
+                <a:latin typeface="Open Sans Light" pitchFamily="34" charset="0"/>
+                <a:ea typeface="Open Sans Light" pitchFamily="34" charset="-122"/>
+                <a:cs typeface="Open Sans Light" pitchFamily="34" charset="-120"/>
               </a:rPr>
               <a:t>Digite o comando </a:t>
             </a:r>
@@ -9643,9 +9648,9 @@
                 <a:solidFill>
                   <a:srgbClr val="BFBFBF"/>
                 </a:solidFill>
-                <a:latin typeface="Open Sans" pitchFamily="34" charset="0"/>
-                <a:ea typeface="Open Sans" pitchFamily="34" charset="-122"/>
-                <a:cs typeface="Open Sans" pitchFamily="34" charset="-120"/>
+                <a:latin typeface="Open Sans ExtraBold" pitchFamily="34" charset="0"/>
+                <a:ea typeface="Open Sans ExtraBold" pitchFamily="34" charset="-122"/>
+                <a:cs typeface="Open Sans ExtraBold" pitchFamily="34" charset="-120"/>
               </a:rPr>
               <a:t>dotnet new console -n AgendaApp.ConsoleApp</a:t>
             </a:r>
@@ -9654,9 +9659,9 @@
                 <a:solidFill>
                   <a:srgbClr val="BFBFBF"/>
                 </a:solidFill>
-                <a:latin typeface="Open Sans" pitchFamily="34" charset="0"/>
-                <a:ea typeface="Open Sans" pitchFamily="34" charset="-122"/>
-                <a:cs typeface="Open Sans" pitchFamily="34" charset="-120"/>
+                <a:latin typeface="Open Sans Light" pitchFamily="34" charset="0"/>
+                <a:ea typeface="Open Sans Light" pitchFamily="34" charset="-122"/>
+                <a:cs typeface="Open Sans Light" pitchFamily="34" charset="-120"/>
               </a:rPr>
               <a:t> para criar um novo projeto de console.</a:t>
             </a:r>
@@ -9767,9 +9772,9 @@
                 <a:solidFill>
                   <a:srgbClr val="BFBFBF"/>
                 </a:solidFill>
-                <a:latin typeface="Open Sans" pitchFamily="34" charset="0"/>
-                <a:ea typeface="Open Sans" pitchFamily="34" charset="-122"/>
-                <a:cs typeface="Open Sans" pitchFamily="34" charset="-120"/>
+                <a:latin typeface="Open Sans Light" pitchFamily="34" charset="0"/>
+                <a:ea typeface="Open Sans Light" pitchFamily="34" charset="-122"/>
+                <a:cs typeface="Open Sans Light" pitchFamily="34" charset="-120"/>
               </a:rPr>
               <a:t>Digite os comandos para adicionar os projetos à solução.
 </a:t>
@@ -9824,9 +9829,9 @@
                 <a:solidFill>
                   <a:srgbClr val="BFBFBF"/>
                 </a:solidFill>
-                <a:latin typeface="Open Sans" pitchFamily="34" charset="0"/>
-                <a:ea typeface="Open Sans" pitchFamily="34" charset="-122"/>
-                <a:cs typeface="Open Sans" pitchFamily="34" charset="-120"/>
+                <a:latin typeface="Open Sans Light" pitchFamily="34" charset="0"/>
+                <a:ea typeface="Open Sans Light" pitchFamily="34" charset="-122"/>
+                <a:cs typeface="Open Sans Light" pitchFamily="34" charset="-120"/>
               </a:rPr>
               <a:t>Digite o comando </a:t>
             </a:r>
@@ -9835,9 +9840,9 @@
                 <a:solidFill>
                   <a:srgbClr val="BFBFBF"/>
                 </a:solidFill>
-                <a:latin typeface="Open Sans" pitchFamily="34" charset="0"/>
-                <a:ea typeface="Open Sans" pitchFamily="34" charset="-122"/>
-                <a:cs typeface="Open Sans" pitchFamily="34" charset="-120"/>
+                <a:latin typeface="Open Sans ExtraBold" pitchFamily="34" charset="0"/>
+                <a:ea typeface="Open Sans ExtraBold" pitchFamily="34" charset="-122"/>
+                <a:cs typeface="Open Sans ExtraBold" pitchFamily="34" charset="-120"/>
               </a:rPr>
               <a:t>dotnet run --project AgendaApp.ConsoleApp</a:t>
             </a:r>
@@ -9846,9 +9851,9 @@
                 <a:solidFill>
                   <a:srgbClr val="BFBFBF"/>
                 </a:solidFill>
-                <a:latin typeface="Open Sans" pitchFamily="34" charset="0"/>
-                <a:ea typeface="Open Sans" pitchFamily="34" charset="-122"/>
-                <a:cs typeface="Open Sans" pitchFamily="34" charset="-120"/>
+                <a:latin typeface="Open Sans Light" pitchFamily="34" charset="0"/>
+                <a:ea typeface="Open Sans Light" pitchFamily="34" charset="-122"/>
+                <a:cs typeface="Open Sans Light" pitchFamily="34" charset="-120"/>
               </a:rPr>
               <a:t> para executar a solução e verificar se tudo está correto.</a:t>
             </a:r>
@@ -10480,7 +10485,9 @@
   <we:alternateReferences>
     <we:reference id="wa200004824" version="2.0.1.0" store="wa200004824" storeType="OMEX"/>
   </we:alternateReferences>
-  <we:properties/>
+  <we:properties>
+    <we:property name="dataSlidePPT" value="{&quot;activePresentationId&quot;:6704771}"/>
+  </we:properties>
   <we:bindings/>
   <we:snapshot xmlns:r="http://schemas.openxmlformats.org/officeDocument/2006/relationships" r:embed="rId1"/>
 </we:webextension>
